--- a/Workflow.pptx
+++ b/Workflow.pptx
@@ -9,7 +9,7 @@
   </p:notesMasterIdLst>
   <p:sldIdLst>
     <p:sldId id="266" r:id="rId2"/>
-    <p:sldId id="264" r:id="rId3"/>
+    <p:sldId id="267" r:id="rId3"/>
     <p:sldId id="262" r:id="rId4"/>
     <p:sldId id="263" r:id="rId5"/>
     <p:sldId id="265" r:id="rId6"/>
@@ -4791,7 +4791,7 @@
           <p:cNvPr id="2" name="Title 1">
             <a:extLst>
               <a:ext uri="{FF2B5EF4-FFF2-40B4-BE49-F238E27FC236}">
-                <a16:creationId xmlns:a16="http://schemas.microsoft.com/office/drawing/2014/main" id="{46807383-96F7-E834-E8A6-A6EB18E56684}"/>
+                <a16:creationId xmlns:a16="http://schemas.microsoft.com/office/drawing/2014/main" id="{37FE91FC-B606-4D63-91EE-A74B6F8CF1A7}"/>
               </a:ext>
             </a:extLst>
           </p:cNvPr>
@@ -4816,7 +4816,7 @@
           <p:cNvPr id="3" name="Text Placeholder 2">
             <a:extLst>
               <a:ext uri="{FF2B5EF4-FFF2-40B4-BE49-F238E27FC236}">
-                <a16:creationId xmlns:a16="http://schemas.microsoft.com/office/drawing/2014/main" id="{D8861AC2-AAAB-6A2D-5A6E-FD104917BD88}"/>
+                <a16:creationId xmlns:a16="http://schemas.microsoft.com/office/drawing/2014/main" id="{AD016CAA-EE08-9EBB-F492-1A73C6034DB4}"/>
               </a:ext>
             </a:extLst>
           </p:cNvPr>
@@ -4841,7 +4841,7 @@
           <p:cNvPr id="5" name="Picture 4">
             <a:extLst>
               <a:ext uri="{FF2B5EF4-FFF2-40B4-BE49-F238E27FC236}">
-                <a16:creationId xmlns:a16="http://schemas.microsoft.com/office/drawing/2014/main" id="{38B3DDDC-75B0-9392-D61E-2D297492923C}"/>
+                <a16:creationId xmlns:a16="http://schemas.microsoft.com/office/drawing/2014/main" id="{844A7626-3C61-582F-7B05-255DB18E8D19}"/>
               </a:ext>
             </a:extLst>
           </p:cNvPr>
@@ -4875,7 +4875,7 @@
     </p:spTree>
     <p:extLst>
       <p:ext uri="{BB962C8B-B14F-4D97-AF65-F5344CB8AC3E}">
-        <p14:creationId xmlns:p14="http://schemas.microsoft.com/office/powerpoint/2010/main" val="2230471700"/>
+        <p14:creationId xmlns:p14="http://schemas.microsoft.com/office/powerpoint/2010/main" val="103037463"/>
       </p:ext>
     </p:extLst>
   </p:cSld>
@@ -5777,7 +5777,7 @@
         </p:blipFill>
         <p:spPr>
           <a:xfrm>
-            <a:off x="1805" y="0"/>
+            <a:off x="-3087083" y="0"/>
             <a:ext cx="12188389" cy="6858000"/>
           </a:xfrm>
           <a:prstGeom prst="rect">
@@ -5785,6 +5785,202 @@
           </a:prstGeom>
         </p:spPr>
       </p:pic>
+      <p:sp>
+        <p:nvSpPr>
+          <p:cNvPr id="2" name="Rectangle 1">
+            <a:extLst>
+              <a:ext uri="{FF2B5EF4-FFF2-40B4-BE49-F238E27FC236}">
+                <a16:creationId xmlns:a16="http://schemas.microsoft.com/office/drawing/2014/main" id="{F83C85BD-F01F-05A8-D95C-4AE9BDC3643F}"/>
+              </a:ext>
+            </a:extLst>
+          </p:cNvPr>
+          <p:cNvSpPr/>
+          <p:nvPr/>
+        </p:nvSpPr>
+        <p:spPr>
+          <a:xfrm>
+            <a:off x="8993529" y="-436945"/>
+            <a:ext cx="3198471" cy="7731889"/>
+          </a:xfrm>
+          <a:prstGeom prst="rect">
+            <a:avLst/>
+          </a:prstGeom>
+          <a:solidFill>
+            <a:schemeClr val="bg1"/>
+          </a:solidFill>
+          <a:ln>
+            <a:noFill/>
+          </a:ln>
+        </p:spPr>
+        <p:style>
+          <a:lnRef idx="2">
+            <a:schemeClr val="accent1">
+              <a:shade val="15000"/>
+            </a:schemeClr>
+          </a:lnRef>
+          <a:fillRef idx="1">
+            <a:schemeClr val="accent1"/>
+          </a:fillRef>
+          <a:effectRef idx="0">
+            <a:schemeClr val="accent1"/>
+          </a:effectRef>
+          <a:fontRef idx="minor">
+            <a:schemeClr val="lt1"/>
+          </a:fontRef>
+        </p:style>
+        <p:txBody>
+          <a:bodyPr rtlCol="0" anchor="ctr"/>
+          <a:lstStyle/>
+          <a:p>
+            <a:pPr algn="ctr"/>
+            <a:endParaRPr lang="en-IN"/>
+          </a:p>
+        </p:txBody>
+      </p:sp>
+      <p:pic>
+        <p:nvPicPr>
+          <p:cNvPr id="4" name="Picture 3">
+            <a:extLst>
+              <a:ext uri="{FF2B5EF4-FFF2-40B4-BE49-F238E27FC236}">
+                <a16:creationId xmlns:a16="http://schemas.microsoft.com/office/drawing/2014/main" id="{EA293DE4-1081-3B9E-252D-35BC09B89DD5}"/>
+              </a:ext>
+            </a:extLst>
+          </p:cNvPr>
+          <p:cNvPicPr>
+            <a:picLocks noChangeAspect="1"/>
+          </p:cNvPicPr>
+          <p:nvPr/>
+        </p:nvPicPr>
+        <p:blipFill>
+          <a:blip r:embed="rId3">
+            <a:extLst>
+              <a:ext uri="{28A0092B-C50C-407E-A947-70E740481C1C}">
+                <a14:useLocalDpi xmlns:a14="http://schemas.microsoft.com/office/drawing/2010/main" val="0"/>
+              </a:ext>
+            </a:extLst>
+          </a:blip>
+          <a:stretch>
+            <a:fillRect/>
+          </a:stretch>
+        </p:blipFill>
+        <p:spPr>
+          <a:xfrm>
+            <a:off x="5945529" y="297886"/>
+            <a:ext cx="4877481" cy="590632"/>
+          </a:xfrm>
+          <a:prstGeom prst="rect">
+            <a:avLst/>
+          </a:prstGeom>
+        </p:spPr>
+      </p:pic>
+      <p:pic>
+        <p:nvPicPr>
+          <p:cNvPr id="6" name="Picture 5">
+            <a:extLst>
+              <a:ext uri="{FF2B5EF4-FFF2-40B4-BE49-F238E27FC236}">
+                <a16:creationId xmlns:a16="http://schemas.microsoft.com/office/drawing/2014/main" id="{299ECAF4-8620-F74A-F9ED-08562B841078}"/>
+              </a:ext>
+            </a:extLst>
+          </p:cNvPr>
+          <p:cNvPicPr>
+            <a:picLocks noChangeAspect="1"/>
+          </p:cNvPicPr>
+          <p:nvPr/>
+        </p:nvPicPr>
+        <p:blipFill rotWithShape="1">
+          <a:blip r:embed="rId4">
+            <a:extLst>
+              <a:ext uri="{28A0092B-C50C-407E-A947-70E740481C1C}">
+                <a14:useLocalDpi xmlns:a14="http://schemas.microsoft.com/office/drawing/2010/main" val="0"/>
+              </a:ext>
+            </a:extLst>
+          </a:blip>
+          <a:srcRect l="673" t="-74" r="28654" b="1"/>
+          <a:stretch/>
+        </p:blipFill>
+        <p:spPr>
+          <a:xfrm>
+            <a:off x="5945530" y="1228524"/>
+            <a:ext cx="4877480" cy="3139472"/>
+          </a:xfrm>
+          <a:prstGeom prst="rect">
+            <a:avLst/>
+          </a:prstGeom>
+        </p:spPr>
+      </p:pic>
+      <p:pic>
+        <p:nvPicPr>
+          <p:cNvPr id="8" name="Picture 7">
+            <a:extLst>
+              <a:ext uri="{FF2B5EF4-FFF2-40B4-BE49-F238E27FC236}">
+                <a16:creationId xmlns:a16="http://schemas.microsoft.com/office/drawing/2014/main" id="{1EA00306-9E66-860A-AA71-7D0DD2EA5CF0}"/>
+              </a:ext>
+            </a:extLst>
+          </p:cNvPr>
+          <p:cNvPicPr>
+            <a:picLocks noChangeAspect="1"/>
+          </p:cNvPicPr>
+          <p:nvPr/>
+        </p:nvPicPr>
+        <p:blipFill rotWithShape="1">
+          <a:blip r:embed="rId5">
+            <a:extLst>
+              <a:ext uri="{28A0092B-C50C-407E-A947-70E740481C1C}">
+                <a14:useLocalDpi xmlns:a14="http://schemas.microsoft.com/office/drawing/2010/main" val="0"/>
+              </a:ext>
+            </a:extLst>
+          </a:blip>
+          <a:srcRect l="4088" t="7535" r="11473"/>
+          <a:stretch/>
+        </p:blipFill>
+        <p:spPr>
+          <a:xfrm>
+            <a:off x="5945529" y="888518"/>
+            <a:ext cx="4877480" cy="2586942"/>
+          </a:xfrm>
+          <a:prstGeom prst="rect">
+            <a:avLst/>
+          </a:prstGeom>
+        </p:spPr>
+      </p:pic>
+      <p:sp>
+        <p:nvSpPr>
+          <p:cNvPr id="10" name="TextBox 9">
+            <a:extLst>
+              <a:ext uri="{FF2B5EF4-FFF2-40B4-BE49-F238E27FC236}">
+                <a16:creationId xmlns:a16="http://schemas.microsoft.com/office/drawing/2014/main" id="{AE38C22C-EDDE-6C84-08A1-5214348C0C74}"/>
+              </a:ext>
+            </a:extLst>
+          </p:cNvPr>
+          <p:cNvSpPr txBox="1"/>
+          <p:nvPr/>
+        </p:nvSpPr>
+        <p:spPr>
+          <a:xfrm>
+            <a:off x="6096000" y="4838218"/>
+            <a:ext cx="3341107" cy="646331"/>
+          </a:xfrm>
+          <a:prstGeom prst="rect">
+            <a:avLst/>
+          </a:prstGeom>
+          <a:noFill/>
+        </p:spPr>
+        <p:txBody>
+          <a:bodyPr wrap="none" rtlCol="0">
+            <a:spAutoFit/>
+          </a:bodyPr>
+          <a:lstStyle/>
+          <a:p>
+            <a:r>
+              <a:rPr lang="en-US" dirty="0"/>
+              <a:t>Screenshot of the Working Model</a:t>
+            </a:r>
+          </a:p>
+          <a:p>
+            <a:endParaRPr lang="en-IN" dirty="0"/>
+          </a:p>
+        </p:txBody>
+      </p:sp>
     </p:spTree>
     <p:extLst>
       <p:ext uri="{BB962C8B-B14F-4D97-AF65-F5344CB8AC3E}">

--- a/Workflow.pptx
+++ b/Workflow.pptx
@@ -5,14 +5,15 @@
     <p:sldMasterId id="2147483661" r:id="rId1"/>
   </p:sldMasterIdLst>
   <p:notesMasterIdLst>
-    <p:notesMasterId r:id="rId7"/>
+    <p:notesMasterId r:id="rId8"/>
   </p:notesMasterIdLst>
   <p:sldIdLst>
     <p:sldId id="266" r:id="rId2"/>
     <p:sldId id="267" r:id="rId3"/>
     <p:sldId id="262" r:id="rId4"/>
     <p:sldId id="263" r:id="rId5"/>
-    <p:sldId id="265" r:id="rId6"/>
+    <p:sldId id="270" r:id="rId6"/>
+    <p:sldId id="269" r:id="rId7"/>
   </p:sldIdLst>
   <p:sldSz cx="12192000" cy="6858000"/>
   <p:notesSz cx="6858000" cy="9144000"/>
@@ -714,6 +715,133 @@
     <p:extLst>
       <p:ext uri="{BB962C8B-B14F-4D97-AF65-F5344CB8AC3E}">
         <p14:creationId xmlns:p14="http://schemas.microsoft.com/office/powerpoint/2010/main" val="1948062497"/>
+      </p:ext>
+    </p:extLst>
+  </p:cSld>
+  <p:clrMapOvr>
+    <a:masterClrMapping/>
+  </p:clrMapOvr>
+</p:notes>
+</file>
+
+<file path=ppt/notesSlides/notesSlide3.xml><?xml version="1.0" encoding="utf-8"?>
+<p:notes xmlns:a="http://schemas.openxmlformats.org/drawingml/2006/main" xmlns:r="http://schemas.openxmlformats.org/officeDocument/2006/relationships" xmlns:p="http://schemas.openxmlformats.org/presentationml/2006/main" showMasterSp="0" showMasterPhAnim="0">
+  <p:cSld>
+    <p:spTree>
+      <p:nvGrpSpPr>
+        <p:cNvPr id="1" name="Shape 282"/>
+        <p:cNvGrpSpPr/>
+        <p:nvPr/>
+      </p:nvGrpSpPr>
+      <p:grpSpPr>
+        <a:xfrm>
+          <a:off x="0" y="0"/>
+          <a:ext cx="0" cy="0"/>
+          <a:chOff x="0" y="0"/>
+          <a:chExt cx="0" cy="0"/>
+        </a:xfrm>
+      </p:grpSpPr>
+      <p:sp>
+        <p:nvSpPr>
+          <p:cNvPr id="283" name="Google Shape;283;g2b6b509cee3_9_359:notes"/>
+          <p:cNvSpPr>
+            <a:spLocks noGrp="1" noRot="1" noChangeAspect="1"/>
+          </p:cNvSpPr>
+          <p:nvPr>
+            <p:ph type="sldImg" idx="2"/>
+          </p:nvPr>
+        </p:nvSpPr>
+        <p:spPr>
+          <a:xfrm>
+            <a:off x="381000" y="685800"/>
+            <a:ext cx="6096000" cy="3429000"/>
+          </a:xfrm>
+          <a:custGeom>
+            <a:avLst/>
+            <a:gdLst/>
+            <a:ahLst/>
+            <a:cxnLst/>
+            <a:rect l="l" t="t" r="r" b="b"/>
+            <a:pathLst>
+              <a:path w="120000" h="120000" extrusionOk="0">
+                <a:moveTo>
+                  <a:pt x="0" y="0"/>
+                </a:moveTo>
+                <a:lnTo>
+                  <a:pt x="120000" y="0"/>
+                </a:lnTo>
+                <a:lnTo>
+                  <a:pt x="120000" y="120000"/>
+                </a:lnTo>
+                <a:lnTo>
+                  <a:pt x="0" y="120000"/>
+                </a:lnTo>
+                <a:close/>
+              </a:path>
+            </a:pathLst>
+          </a:custGeom>
+          <a:noFill/>
+          <a:ln w="9525" cap="flat" cmpd="sng">
+            <a:solidFill>
+              <a:srgbClr val="000000"/>
+            </a:solidFill>
+            <a:prstDash val="solid"/>
+            <a:round/>
+            <a:headEnd type="none" w="sm" len="sm"/>
+            <a:tailEnd type="none" w="sm" len="sm"/>
+          </a:ln>
+        </p:spPr>
+      </p:sp>
+      <p:sp>
+        <p:nvSpPr>
+          <p:cNvPr id="284" name="Google Shape;284;g2b6b509cee3_9_359:notes"/>
+          <p:cNvSpPr txBox="1">
+            <a:spLocks noGrp="1"/>
+          </p:cNvSpPr>
+          <p:nvPr>
+            <p:ph type="body" idx="1"/>
+          </p:nvPr>
+        </p:nvSpPr>
+        <p:spPr>
+          <a:xfrm>
+            <a:off x="685800" y="4343400"/>
+            <a:ext cx="5486400" cy="4114800"/>
+          </a:xfrm>
+          <a:prstGeom prst="rect">
+            <a:avLst/>
+          </a:prstGeom>
+          <a:noFill/>
+          <a:ln>
+            <a:noFill/>
+          </a:ln>
+        </p:spPr>
+        <p:txBody>
+          <a:bodyPr spcFirstLastPara="1" wrap="square" lIns="91425" tIns="91425" rIns="91425" bIns="91425" anchor="t" anchorCtr="0">
+            <a:noAutofit/>
+          </a:bodyPr>
+          <a:lstStyle/>
+          <a:p>
+            <a:pPr marL="0" lvl="0" indent="0" algn="l" rtl="0">
+              <a:lnSpc>
+                <a:spcPct val="100000"/>
+              </a:lnSpc>
+              <a:spcBef>
+                <a:spcPts val="0"/>
+              </a:spcBef>
+              <a:spcAft>
+                <a:spcPts val="0"/>
+              </a:spcAft>
+              <a:buSzPts val="1100"/>
+              <a:buNone/>
+            </a:pPr>
+            <a:endParaRPr/>
+          </a:p>
+        </p:txBody>
+      </p:sp>
+    </p:spTree>
+    <p:extLst>
+      <p:ext uri="{BB962C8B-B14F-4D97-AF65-F5344CB8AC3E}">
+        <p14:creationId xmlns:p14="http://schemas.microsoft.com/office/powerpoint/2010/main" val="2451886719"/>
       </p:ext>
     </p:extLst>
   </p:cSld>
@@ -5737,6 +5865,283 @@
   <p:cSld>
     <p:spTree>
       <p:nvGrpSpPr>
+        <p:cNvPr id="1" name="Shape 285"/>
+        <p:cNvGrpSpPr/>
+        <p:nvPr/>
+      </p:nvGrpSpPr>
+      <p:grpSpPr>
+        <a:xfrm>
+          <a:off x="0" y="0"/>
+          <a:ext cx="0" cy="0"/>
+          <a:chOff x="0" y="0"/>
+          <a:chExt cx="0" cy="0"/>
+        </a:xfrm>
+      </p:grpSpPr>
+      <p:grpSp>
+        <p:nvGrpSpPr>
+          <p:cNvPr id="286" name="Google Shape;286;g2b6b509cee3_9_359"/>
+          <p:cNvGrpSpPr/>
+          <p:nvPr/>
+        </p:nvGrpSpPr>
+        <p:grpSpPr>
+          <a:xfrm>
+            <a:off x="-37963" y="1785"/>
+            <a:ext cx="12229963" cy="6856215"/>
+            <a:chOff x="-15736" y="0"/>
+            <a:chExt cx="12229962" cy="6856215"/>
+          </a:xfrm>
+        </p:grpSpPr>
+        <p:pic>
+          <p:nvPicPr>
+            <p:cNvPr id="287" name="Google Shape;287;g2b6b509cee3_9_359"/>
+            <p:cNvPicPr preferRelativeResize="0"/>
+            <p:nvPr/>
+          </p:nvPicPr>
+          <p:blipFill rotWithShape="1">
+            <a:blip r:embed="rId3">
+              <a:alphaModFix/>
+            </a:blip>
+            <a:srcRect/>
+            <a:stretch/>
+          </p:blipFill>
+          <p:spPr>
+            <a:xfrm>
+              <a:off x="0" y="0"/>
+              <a:ext cx="12188827" cy="6856215"/>
+            </a:xfrm>
+            <a:prstGeom prst="rect">
+              <a:avLst/>
+            </a:prstGeom>
+            <a:noFill/>
+            <a:ln>
+              <a:noFill/>
+            </a:ln>
+          </p:spPr>
+        </p:pic>
+        <p:sp>
+          <p:nvSpPr>
+            <p:cNvPr id="288" name="Google Shape;288;g2b6b509cee3_9_359"/>
+            <p:cNvSpPr/>
+            <p:nvPr/>
+          </p:nvSpPr>
+          <p:spPr>
+            <a:xfrm>
+              <a:off x="608012" y="609600"/>
+              <a:ext cx="10972800" cy="5638800"/>
+            </a:xfrm>
+            <a:prstGeom prst="rect">
+              <a:avLst/>
+            </a:prstGeom>
+            <a:noFill/>
+            <a:ln w="15875" cap="flat" cmpd="sng">
+              <a:solidFill>
+                <a:schemeClr val="accent1"/>
+              </a:solidFill>
+              <a:prstDash val="solid"/>
+              <a:miter lim="800000"/>
+              <a:headEnd type="none" w="sm" len="sm"/>
+              <a:tailEnd type="none" w="sm" len="sm"/>
+            </a:ln>
+          </p:spPr>
+          <p:txBody>
+            <a:bodyPr spcFirstLastPara="1" wrap="square" lIns="121900" tIns="121900" rIns="121900" bIns="121900" anchor="ctr" anchorCtr="0">
+              <a:noAutofit/>
+            </a:bodyPr>
+            <a:lstStyle/>
+            <a:p>
+              <a:pPr>
+                <a:buClr>
+                  <a:srgbClr val="000000"/>
+                </a:buClr>
+                <a:buSzPts val="1400"/>
+              </a:pPr>
+              <a:endParaRPr sz="1867">
+                <a:solidFill>
+                  <a:srgbClr val="000000"/>
+                </a:solidFill>
+                <a:latin typeface="Arial"/>
+                <a:ea typeface="Arial"/>
+                <a:cs typeface="Arial"/>
+                <a:sym typeface="Arial"/>
+              </a:endParaRPr>
+            </a:p>
+          </p:txBody>
+        </p:sp>
+        <p:pic>
+          <p:nvPicPr>
+            <p:cNvPr id="289" name="Google Shape;289;g2b6b509cee3_9_359"/>
+            <p:cNvPicPr preferRelativeResize="0"/>
+            <p:nvPr/>
+          </p:nvPicPr>
+          <p:blipFill rotWithShape="1">
+            <a:blip r:embed="rId4">
+              <a:alphaModFix/>
+            </a:blip>
+            <a:srcRect/>
+            <a:stretch/>
+          </p:blipFill>
+          <p:spPr>
+            <a:xfrm>
+              <a:off x="-15736" y="3153832"/>
+              <a:ext cx="777240" cy="606425"/>
+            </a:xfrm>
+            <a:prstGeom prst="rect">
+              <a:avLst/>
+            </a:prstGeom>
+            <a:noFill/>
+            <a:ln>
+              <a:noFill/>
+            </a:ln>
+          </p:spPr>
+        </p:pic>
+        <p:pic>
+          <p:nvPicPr>
+            <p:cNvPr id="290" name="Google Shape;290;g2b6b509cee3_9_359"/>
+            <p:cNvPicPr preferRelativeResize="0"/>
+            <p:nvPr/>
+          </p:nvPicPr>
+          <p:blipFill rotWithShape="1">
+            <a:blip r:embed="rId4">
+              <a:alphaModFix/>
+            </a:blip>
+            <a:srcRect/>
+            <a:stretch/>
+          </p:blipFill>
+          <p:spPr>
+            <a:xfrm>
+              <a:off x="11436986" y="3153832"/>
+              <a:ext cx="777240" cy="606425"/>
+            </a:xfrm>
+            <a:prstGeom prst="rect">
+              <a:avLst/>
+            </a:prstGeom>
+            <a:noFill/>
+            <a:ln>
+              <a:noFill/>
+            </a:ln>
+          </p:spPr>
+        </p:pic>
+      </p:grpSp>
+      <p:pic>
+        <p:nvPicPr>
+          <p:cNvPr id="3" name="Picture 2">
+            <a:extLst>
+              <a:ext uri="{FF2B5EF4-FFF2-40B4-BE49-F238E27FC236}">
+                <a16:creationId xmlns:a16="http://schemas.microsoft.com/office/drawing/2014/main" id="{B3067C0D-A31E-4585-AB23-535811165644}"/>
+              </a:ext>
+            </a:extLst>
+          </p:cNvPr>
+          <p:cNvPicPr>
+            <a:picLocks noChangeAspect="1"/>
+          </p:cNvPicPr>
+          <p:nvPr/>
+        </p:nvPicPr>
+        <p:blipFill>
+          <a:blip r:embed="rId5"/>
+          <a:stretch>
+            <a:fillRect/>
+          </a:stretch>
+        </p:blipFill>
+        <p:spPr>
+          <a:xfrm>
+            <a:off x="755013" y="839454"/>
+            <a:ext cx="4819650" cy="5238750"/>
+          </a:xfrm>
+          <a:prstGeom prst="rect">
+            <a:avLst/>
+          </a:prstGeom>
+        </p:spPr>
+      </p:pic>
+      <p:pic>
+        <p:nvPicPr>
+          <p:cNvPr id="14" name="Picture 13">
+            <a:extLst>
+              <a:ext uri="{FF2B5EF4-FFF2-40B4-BE49-F238E27FC236}">
+                <a16:creationId xmlns:a16="http://schemas.microsoft.com/office/drawing/2014/main" id="{038FB6EE-909C-4C02-B55B-02BDAF8B6F06}"/>
+              </a:ext>
+            </a:extLst>
+          </p:cNvPr>
+          <p:cNvPicPr>
+            <a:picLocks noChangeAspect="1"/>
+          </p:cNvPicPr>
+          <p:nvPr/>
+        </p:nvPicPr>
+        <p:blipFill>
+          <a:blip r:embed="rId6">
+            <a:extLst>
+              <a:ext uri="{28A0092B-C50C-407E-A947-70E740481C1C}">
+                <a14:useLocalDpi xmlns:a14="http://schemas.microsoft.com/office/drawing/2010/main" val="0"/>
+              </a:ext>
+            </a:extLst>
+          </a:blip>
+          <a:stretch>
+            <a:fillRect/>
+          </a:stretch>
+        </p:blipFill>
+        <p:spPr>
+          <a:xfrm>
+            <a:off x="5555412" y="1969353"/>
+            <a:ext cx="5833949" cy="2097490"/>
+          </a:xfrm>
+          <a:prstGeom prst="rect">
+            <a:avLst/>
+          </a:prstGeom>
+        </p:spPr>
+      </p:pic>
+      <p:sp>
+        <p:nvSpPr>
+          <p:cNvPr id="16" name="TextBox 15">
+            <a:extLst>
+              <a:ext uri="{FF2B5EF4-FFF2-40B4-BE49-F238E27FC236}">
+                <a16:creationId xmlns:a16="http://schemas.microsoft.com/office/drawing/2014/main" id="{A989502E-631A-4146-AC25-914D5F3FAE29}"/>
+              </a:ext>
+            </a:extLst>
+          </p:cNvPr>
+          <p:cNvSpPr txBox="1"/>
+          <p:nvPr/>
+        </p:nvSpPr>
+        <p:spPr>
+          <a:xfrm>
+            <a:off x="5574662" y="1514169"/>
+            <a:ext cx="5833949" cy="369332"/>
+          </a:xfrm>
+          <a:prstGeom prst="rect">
+            <a:avLst/>
+          </a:prstGeom>
+          <a:noFill/>
+        </p:spPr>
+        <p:txBody>
+          <a:bodyPr wrap="square" rtlCol="0">
+            <a:spAutoFit/>
+          </a:bodyPr>
+          <a:lstStyle/>
+          <a:p>
+            <a:r>
+              <a:rPr lang="en-US" b="1" dirty="0"/>
+              <a:t>Keywords Extraction using RAKE-NLTK:-</a:t>
+            </a:r>
+            <a:endParaRPr lang="en-IN" b="1" dirty="0"/>
+          </a:p>
+        </p:txBody>
+      </p:sp>
+    </p:spTree>
+    <p:extLst>
+      <p:ext uri="{BB962C8B-B14F-4D97-AF65-F5344CB8AC3E}">
+        <p14:creationId xmlns:p14="http://schemas.microsoft.com/office/powerpoint/2010/main" val="3927180204"/>
+      </p:ext>
+    </p:extLst>
+  </p:cSld>
+  <p:clrMapOvr>
+    <a:masterClrMapping/>
+  </p:clrMapOvr>
+</p:sld>
+</file>
+
+<file path=ppt/slides/slide6.xml><?xml version="1.0" encoding="utf-8"?>
+<p:sld xmlns:a="http://schemas.openxmlformats.org/drawingml/2006/main" xmlns:r="http://schemas.openxmlformats.org/officeDocument/2006/relationships" xmlns:p="http://schemas.openxmlformats.org/presentationml/2006/main">
+  <p:cSld>
+    <p:spTree>
+      <p:nvGrpSpPr>
         <p:cNvPr id="1" name=""/>
         <p:cNvGrpSpPr/>
         <p:nvPr/>
@@ -5751,10 +6156,10 @@
       </p:grpSpPr>
       <p:pic>
         <p:nvPicPr>
-          <p:cNvPr id="9" name="Picture 8">
-            <a:extLst>
-              <a:ext uri="{FF2B5EF4-FFF2-40B4-BE49-F238E27FC236}">
-                <a16:creationId xmlns:a16="http://schemas.microsoft.com/office/drawing/2014/main" id="{4ED9EE9D-05D3-EE64-8C98-2FA2360A2D9B}"/>
+          <p:cNvPr id="2" name="Picture 1">
+            <a:extLst>
+              <a:ext uri="{FF2B5EF4-FFF2-40B4-BE49-F238E27FC236}">
+                <a16:creationId xmlns:a16="http://schemas.microsoft.com/office/drawing/2014/main" id="{6E903F82-434D-4926-BB9C-EE5A8F079EF5}"/>
               </a:ext>
             </a:extLst>
           </p:cNvPr>
@@ -5777,96 +6182,8 @@
         </p:blipFill>
         <p:spPr>
           <a:xfrm>
-            <a:off x="-3087083" y="0"/>
-            <a:ext cx="12188389" cy="6858000"/>
-          </a:xfrm>
-          <a:prstGeom prst="rect">
-            <a:avLst/>
-          </a:prstGeom>
-        </p:spPr>
-      </p:pic>
-      <p:sp>
-        <p:nvSpPr>
-          <p:cNvPr id="2" name="Rectangle 1">
-            <a:extLst>
-              <a:ext uri="{FF2B5EF4-FFF2-40B4-BE49-F238E27FC236}">
-                <a16:creationId xmlns:a16="http://schemas.microsoft.com/office/drawing/2014/main" id="{F83C85BD-F01F-05A8-D95C-4AE9BDC3643F}"/>
-              </a:ext>
-            </a:extLst>
-          </p:cNvPr>
-          <p:cNvSpPr/>
-          <p:nvPr/>
-        </p:nvSpPr>
-        <p:spPr>
-          <a:xfrm>
-            <a:off x="8993529" y="-436945"/>
-            <a:ext cx="3198471" cy="7731889"/>
-          </a:xfrm>
-          <a:prstGeom prst="rect">
-            <a:avLst/>
-          </a:prstGeom>
-          <a:solidFill>
-            <a:schemeClr val="bg1"/>
-          </a:solidFill>
-          <a:ln>
-            <a:noFill/>
-          </a:ln>
-        </p:spPr>
-        <p:style>
-          <a:lnRef idx="2">
-            <a:schemeClr val="accent1">
-              <a:shade val="15000"/>
-            </a:schemeClr>
-          </a:lnRef>
-          <a:fillRef idx="1">
-            <a:schemeClr val="accent1"/>
-          </a:fillRef>
-          <a:effectRef idx="0">
-            <a:schemeClr val="accent1"/>
-          </a:effectRef>
-          <a:fontRef idx="minor">
-            <a:schemeClr val="lt1"/>
-          </a:fontRef>
-        </p:style>
-        <p:txBody>
-          <a:bodyPr rtlCol="0" anchor="ctr"/>
-          <a:lstStyle/>
-          <a:p>
-            <a:pPr algn="ctr"/>
-            <a:endParaRPr lang="en-IN"/>
-          </a:p>
-        </p:txBody>
-      </p:sp>
-      <p:pic>
-        <p:nvPicPr>
-          <p:cNvPr id="4" name="Picture 3">
-            <a:extLst>
-              <a:ext uri="{FF2B5EF4-FFF2-40B4-BE49-F238E27FC236}">
-                <a16:creationId xmlns:a16="http://schemas.microsoft.com/office/drawing/2014/main" id="{EA293DE4-1081-3B9E-252D-35BC09B89DD5}"/>
-              </a:ext>
-            </a:extLst>
-          </p:cNvPr>
-          <p:cNvPicPr>
-            <a:picLocks noChangeAspect="1"/>
-          </p:cNvPicPr>
-          <p:nvPr/>
-        </p:nvPicPr>
-        <p:blipFill>
-          <a:blip r:embed="rId3">
-            <a:extLst>
-              <a:ext uri="{28A0092B-C50C-407E-A947-70E740481C1C}">
-                <a14:useLocalDpi xmlns:a14="http://schemas.microsoft.com/office/drawing/2010/main" val="0"/>
-              </a:ext>
-            </a:extLst>
-          </a:blip>
-          <a:stretch>
-            <a:fillRect/>
-          </a:stretch>
-        </p:blipFill>
-        <p:spPr>
-          <a:xfrm>
-            <a:off x="5945529" y="297886"/>
-            <a:ext cx="4877481" cy="590632"/>
+            <a:off x="1710492" y="531606"/>
+            <a:ext cx="7716228" cy="877077"/>
           </a:xfrm>
           <a:prstGeom prst="rect">
             <a:avLst/>
@@ -5875,10 +6192,10 @@
       </p:pic>
       <p:pic>
         <p:nvPicPr>
-          <p:cNvPr id="6" name="Picture 5">
-            <a:extLst>
-              <a:ext uri="{FF2B5EF4-FFF2-40B4-BE49-F238E27FC236}">
-                <a16:creationId xmlns:a16="http://schemas.microsoft.com/office/drawing/2014/main" id="{299ECAF4-8620-F74A-F9ED-08562B841078}"/>
+          <p:cNvPr id="3" name="Picture 2">
+            <a:extLst>
+              <a:ext uri="{FF2B5EF4-FFF2-40B4-BE49-F238E27FC236}">
+                <a16:creationId xmlns:a16="http://schemas.microsoft.com/office/drawing/2014/main" id="{BFBA3827-C35A-4BB7-8288-A1B6B7A35CA8}"/>
               </a:ext>
             </a:extLst>
           </p:cNvPr>
@@ -5888,20 +6205,20 @@
           <p:nvPr/>
         </p:nvPicPr>
         <p:blipFill rotWithShape="1">
-          <a:blip r:embed="rId4">
+          <a:blip r:embed="rId3">
             <a:extLst>
               <a:ext uri="{28A0092B-C50C-407E-A947-70E740481C1C}">
                 <a14:useLocalDpi xmlns:a14="http://schemas.microsoft.com/office/drawing/2010/main" val="0"/>
               </a:ext>
             </a:extLst>
           </a:blip>
-          <a:srcRect l="673" t="-74" r="28654" b="1"/>
+          <a:srcRect l="4088" t="7535" r="11473"/>
           <a:stretch/>
         </p:blipFill>
         <p:spPr>
           <a:xfrm>
-            <a:off x="5945530" y="1228524"/>
-            <a:ext cx="4877480" cy="3139472"/>
+            <a:off x="1710492" y="1408683"/>
+            <a:ext cx="7716228" cy="3973905"/>
           </a:xfrm>
           <a:prstGeom prst="rect">
             <a:avLst/>
@@ -5910,10 +6227,10 @@
       </p:pic>
       <p:pic>
         <p:nvPicPr>
-          <p:cNvPr id="8" name="Picture 7">
-            <a:extLst>
-              <a:ext uri="{FF2B5EF4-FFF2-40B4-BE49-F238E27FC236}">
-                <a16:creationId xmlns:a16="http://schemas.microsoft.com/office/drawing/2014/main" id="{1EA00306-9E66-860A-AA71-7D0DD2EA5CF0}"/>
+          <p:cNvPr id="5" name="Picture 4">
+            <a:extLst>
+              <a:ext uri="{FF2B5EF4-FFF2-40B4-BE49-F238E27FC236}">
+                <a16:creationId xmlns:a16="http://schemas.microsoft.com/office/drawing/2014/main" id="{264B3C2C-9913-480C-9502-FB6E58997417}"/>
               </a:ext>
             </a:extLst>
           </p:cNvPr>
@@ -5922,21 +6239,16 @@
           </p:cNvPicPr>
           <p:nvPr/>
         </p:nvPicPr>
-        <p:blipFill rotWithShape="1">
-          <a:blip r:embed="rId5">
-            <a:extLst>
-              <a:ext uri="{28A0092B-C50C-407E-A947-70E740481C1C}">
-                <a14:useLocalDpi xmlns:a14="http://schemas.microsoft.com/office/drawing/2010/main" val="0"/>
-              </a:ext>
-            </a:extLst>
-          </a:blip>
-          <a:srcRect l="4088" t="7535" r="11473"/>
-          <a:stretch/>
+        <p:blipFill>
+          <a:blip r:embed="rId4"/>
+          <a:stretch>
+            <a:fillRect/>
+          </a:stretch>
         </p:blipFill>
         <p:spPr>
           <a:xfrm>
-            <a:off x="5945529" y="888518"/>
-            <a:ext cx="4877480" cy="2586942"/>
+            <a:off x="1710492" y="5116010"/>
+            <a:ext cx="7716228" cy="1493135"/>
           </a:xfrm>
           <a:prstGeom prst="rect">
             <a:avLst/>
@@ -5945,10 +6257,10 @@
       </p:pic>
       <p:sp>
         <p:nvSpPr>
-          <p:cNvPr id="10" name="TextBox 9">
-            <a:extLst>
-              <a:ext uri="{FF2B5EF4-FFF2-40B4-BE49-F238E27FC236}">
-                <a16:creationId xmlns:a16="http://schemas.microsoft.com/office/drawing/2014/main" id="{AE38C22C-EDDE-6C84-08A1-5214348C0C74}"/>
+          <p:cNvPr id="7" name="TextBox 6">
+            <a:extLst>
+              <a:ext uri="{FF2B5EF4-FFF2-40B4-BE49-F238E27FC236}">
+                <a16:creationId xmlns:a16="http://schemas.microsoft.com/office/drawing/2014/main" id="{0734DCFB-5645-4BAB-BD58-57021C0D0A5E}"/>
               </a:ext>
             </a:extLst>
           </p:cNvPr>
@@ -5957,8 +6269,8 @@
         </p:nvSpPr>
         <p:spPr>
           <a:xfrm>
-            <a:off x="6096000" y="4838218"/>
-            <a:ext cx="3341107" cy="646331"/>
+            <a:off x="138896" y="138896"/>
+            <a:ext cx="5023413" cy="523220"/>
           </a:xfrm>
           <a:prstGeom prst="rect">
             <a:avLst/>
@@ -5966,25 +6278,23 @@
           <a:noFill/>
         </p:spPr>
         <p:txBody>
-          <a:bodyPr wrap="none" rtlCol="0">
+          <a:bodyPr wrap="square" rtlCol="0">
             <a:spAutoFit/>
           </a:bodyPr>
           <a:lstStyle/>
           <a:p>
             <a:r>
-              <a:rPr lang="en-US" dirty="0"/>
-              <a:t>Screenshot of the Working Model</a:t>
-            </a:r>
-          </a:p>
-          <a:p>
-            <a:endParaRPr lang="en-IN" dirty="0"/>
+              <a:rPr lang="en-US" sz="2800" b="1" dirty="0"/>
+              <a:t>Working Model:</a:t>
+            </a:r>
+            <a:endParaRPr lang="en-IN" sz="2800" b="1" dirty="0"/>
           </a:p>
         </p:txBody>
       </p:sp>
     </p:spTree>
     <p:extLst>
       <p:ext uri="{BB962C8B-B14F-4D97-AF65-F5344CB8AC3E}">
-        <p14:creationId xmlns:p14="http://schemas.microsoft.com/office/powerpoint/2010/main" val="3525299023"/>
+        <p14:creationId xmlns:p14="http://schemas.microsoft.com/office/powerpoint/2010/main" val="3405851857"/>
       </p:ext>
     </p:extLst>
   </p:cSld>
